--- a/Poster-2151163-2150662.pptx
+++ b/Poster-2151163-2150662.pptx
@@ -134,7 +134,27 @@
       </a:defRPr>
     </a:lvl9pPr>
   </p:defaultTextStyle>
+  <p:extLst>
+    <p:ext uri="{EFAFB233-063F-42B5-8137-9DF3F51BA10A}">
+      <p15:sldGuideLst xmlns:p15="http://schemas.microsoft.com/office/powerpoint/2012/main">
+        <p15:guide id="1" orient="horz" pos="3024">
+          <p15:clr>
+            <a:srgbClr val="A4A3A4"/>
+          </p15:clr>
+        </p15:guide>
+        <p15:guide id="2" pos="4032">
+          <p15:clr>
+            <a:srgbClr val="A4A3A4"/>
+          </p15:clr>
+        </p15:guide>
+      </p15:sldGuideLst>
+    </p:ext>
+  </p:extLst>
 </p:presentation>
+</file>
+
+<file path=ppt/revisionInfo.xml><?xml version="1.0" encoding="utf-8"?>
+<p1510:revInfo xmlns:a="http://schemas.openxmlformats.org/drawingml/2006/main" xmlns:r="http://schemas.openxmlformats.org/officeDocument/2006/relationships" xmlns:p1510="http://schemas.microsoft.com/office/powerpoint/2015/10/main"/>
 </file>
 
 <file path=ppt/slideLayouts/slideLayout1.xml><?xml version="1.0" encoding="utf-8"?>
@@ -179,10 +199,9 @@
           </a:lstStyle>
           <a:p>
             <a:r>
-              <a:rPr lang="en-US" smtClean="0"/>
+              <a:rPr lang="en-US"/>
               <a:t>Click to edit Master title style</a:t>
             </a:r>
-            <a:endParaRPr lang="en-US"/>
           </a:p>
         </p:txBody>
       </p:sp>
@@ -244,10 +263,9 @@
           </a:lstStyle>
           <a:p>
             <a:r>
-              <a:rPr lang="en-US" smtClean="0"/>
+              <a:rPr lang="en-US"/>
               <a:t>Click to edit Master subtitle style</a:t>
             </a:r>
-            <a:endParaRPr lang="en-US"/>
           </a:p>
         </p:txBody>
       </p:sp>
@@ -325,7 +343,7 @@
             <a:fld id="{B1DD97CD-1068-45C6-9113-B0BE99581B94}" type="slidenum">
               <a:rPr lang="pt-PT"/>
               <a:pPr/>
-              <a:t>‹#›</a:t>
+              <a:t>‹nº›</a:t>
             </a:fld>
             <a:endParaRPr lang="pt-PT"/>
           </a:p>
@@ -377,10 +395,9 @@
           <a:lstStyle/>
           <a:p>
             <a:r>
-              <a:rPr lang="en-US" smtClean="0"/>
+              <a:rPr lang="en-US"/>
               <a:t>Click to edit Master title style</a:t>
             </a:r>
-            <a:endParaRPr lang="en-US"/>
           </a:p>
         </p:txBody>
       </p:sp>
@@ -401,38 +418,37 @@
           <a:p>
             <a:pPr lvl="0"/>
             <a:r>
-              <a:rPr lang="en-US" smtClean="0"/>
+              <a:rPr lang="en-US"/>
               <a:t>Click to edit Master text styles</a:t>
             </a:r>
           </a:p>
           <a:p>
             <a:pPr lvl="1"/>
             <a:r>
-              <a:rPr lang="en-US" smtClean="0"/>
+              <a:rPr lang="en-US"/>
               <a:t>Second level</a:t>
             </a:r>
           </a:p>
           <a:p>
             <a:pPr lvl="2"/>
             <a:r>
-              <a:rPr lang="en-US" smtClean="0"/>
+              <a:rPr lang="en-US"/>
               <a:t>Third level</a:t>
             </a:r>
           </a:p>
           <a:p>
             <a:pPr lvl="3"/>
             <a:r>
-              <a:rPr lang="en-US" smtClean="0"/>
+              <a:rPr lang="en-US"/>
               <a:t>Fourth level</a:t>
             </a:r>
           </a:p>
           <a:p>
             <a:pPr lvl="4"/>
             <a:r>
-              <a:rPr lang="en-US" smtClean="0"/>
+              <a:rPr lang="en-US"/>
               <a:t>Fifth level</a:t>
             </a:r>
-            <a:endParaRPr lang="en-US"/>
           </a:p>
         </p:txBody>
       </p:sp>
@@ -510,7 +526,7 @@
             <a:fld id="{3C530489-C4A5-473B-B0EB-4E82F9367638}" type="slidenum">
               <a:rPr lang="pt-PT"/>
               <a:pPr/>
-              <a:t>‹#›</a:t>
+              <a:t>‹nº›</a:t>
             </a:fld>
             <a:endParaRPr lang="pt-PT"/>
           </a:p>
@@ -567,10 +583,9 @@
           <a:lstStyle/>
           <a:p>
             <a:r>
-              <a:rPr lang="en-US" smtClean="0"/>
+              <a:rPr lang="en-US"/>
               <a:t>Click to edit Master title style</a:t>
             </a:r>
-            <a:endParaRPr lang="en-US"/>
           </a:p>
         </p:txBody>
       </p:sp>
@@ -596,38 +611,37 @@
           <a:p>
             <a:pPr lvl="0"/>
             <a:r>
-              <a:rPr lang="en-US" smtClean="0"/>
+              <a:rPr lang="en-US"/>
               <a:t>Click to edit Master text styles</a:t>
             </a:r>
           </a:p>
           <a:p>
             <a:pPr lvl="1"/>
             <a:r>
-              <a:rPr lang="en-US" smtClean="0"/>
+              <a:rPr lang="en-US"/>
               <a:t>Second level</a:t>
             </a:r>
           </a:p>
           <a:p>
             <a:pPr lvl="2"/>
             <a:r>
-              <a:rPr lang="en-US" smtClean="0"/>
+              <a:rPr lang="en-US"/>
               <a:t>Third level</a:t>
             </a:r>
           </a:p>
           <a:p>
             <a:pPr lvl="3"/>
             <a:r>
-              <a:rPr lang="en-US" smtClean="0"/>
+              <a:rPr lang="en-US"/>
               <a:t>Fourth level</a:t>
             </a:r>
           </a:p>
           <a:p>
             <a:pPr lvl="4"/>
             <a:r>
-              <a:rPr lang="en-US" smtClean="0"/>
+              <a:rPr lang="en-US"/>
               <a:t>Fifth level</a:t>
             </a:r>
-            <a:endParaRPr lang="en-US"/>
           </a:p>
         </p:txBody>
       </p:sp>
@@ -705,7 +719,7 @@
             <a:fld id="{C475F680-8058-4625-8053-A8708865228F}" type="slidenum">
               <a:rPr lang="pt-PT"/>
               <a:pPr/>
-              <a:t>‹#›</a:t>
+              <a:t>‹nº›</a:t>
             </a:fld>
             <a:endParaRPr lang="pt-PT"/>
           </a:p>
@@ -757,10 +771,9 @@
           <a:lstStyle/>
           <a:p>
             <a:r>
-              <a:rPr lang="en-US" smtClean="0"/>
+              <a:rPr lang="en-US"/>
               <a:t>Click to edit Master title style</a:t>
             </a:r>
-            <a:endParaRPr lang="en-US"/>
           </a:p>
         </p:txBody>
       </p:sp>
@@ -781,38 +794,37 @@
           <a:p>
             <a:pPr lvl="0"/>
             <a:r>
-              <a:rPr lang="en-US" smtClean="0"/>
+              <a:rPr lang="en-US"/>
               <a:t>Click to edit Master text styles</a:t>
             </a:r>
           </a:p>
           <a:p>
             <a:pPr lvl="1"/>
             <a:r>
-              <a:rPr lang="en-US" smtClean="0"/>
+              <a:rPr lang="en-US"/>
               <a:t>Second level</a:t>
             </a:r>
           </a:p>
           <a:p>
             <a:pPr lvl="2"/>
             <a:r>
-              <a:rPr lang="en-US" smtClean="0"/>
+              <a:rPr lang="en-US"/>
               <a:t>Third level</a:t>
             </a:r>
           </a:p>
           <a:p>
             <a:pPr lvl="3"/>
             <a:r>
-              <a:rPr lang="en-US" smtClean="0"/>
+              <a:rPr lang="en-US"/>
               <a:t>Fourth level</a:t>
             </a:r>
           </a:p>
           <a:p>
             <a:pPr lvl="4"/>
             <a:r>
-              <a:rPr lang="en-US" smtClean="0"/>
+              <a:rPr lang="en-US"/>
               <a:t>Fifth level</a:t>
             </a:r>
-            <a:endParaRPr lang="en-US"/>
           </a:p>
         </p:txBody>
       </p:sp>
@@ -890,7 +902,7 @@
             <a:fld id="{4CF99D47-5FA5-4AB9-8887-4AF58D8CE8D5}" type="slidenum">
               <a:rPr lang="pt-PT"/>
               <a:pPr/>
-              <a:t>‹#›</a:t>
+              <a:t>‹nº›</a:t>
             </a:fld>
             <a:endParaRPr lang="pt-PT"/>
           </a:p>
@@ -951,10 +963,9 @@
           </a:lstStyle>
           <a:p>
             <a:r>
-              <a:rPr lang="en-US" smtClean="0"/>
+              <a:rPr lang="en-US"/>
               <a:t>Click to edit Master title style</a:t>
             </a:r>
-            <a:endParaRPr lang="en-US"/>
           </a:p>
         </p:txBody>
       </p:sp>
@@ -1017,7 +1028,7 @@
           <a:p>
             <a:pPr lvl="0"/>
             <a:r>
-              <a:rPr lang="en-US" smtClean="0"/>
+              <a:rPr lang="en-US"/>
               <a:t>Click to edit Master text styles</a:t>
             </a:r>
           </a:p>
@@ -1097,7 +1108,7 @@
             <a:fld id="{3F963911-552C-4073-828D-82CEA4B4B406}" type="slidenum">
               <a:rPr lang="pt-PT"/>
               <a:pPr/>
-              <a:t>‹#›</a:t>
+              <a:t>‹nº›</a:t>
             </a:fld>
             <a:endParaRPr lang="pt-PT"/>
           </a:p>
@@ -1149,10 +1160,9 @@
           <a:lstStyle/>
           <a:p>
             <a:r>
-              <a:rPr lang="en-US" smtClean="0"/>
+              <a:rPr lang="en-US"/>
               <a:t>Click to edit Master title style</a:t>
             </a:r>
-            <a:endParaRPr lang="en-US"/>
           </a:p>
         </p:txBody>
       </p:sp>
@@ -1178,38 +1188,37 @@
           <a:p>
             <a:pPr lvl="0"/>
             <a:r>
-              <a:rPr lang="en-US" smtClean="0"/>
+              <a:rPr lang="en-US"/>
               <a:t>Click to edit Master text styles</a:t>
             </a:r>
           </a:p>
           <a:p>
             <a:pPr lvl="1"/>
             <a:r>
-              <a:rPr lang="en-US" smtClean="0"/>
+              <a:rPr lang="en-US"/>
               <a:t>Second level</a:t>
             </a:r>
           </a:p>
           <a:p>
             <a:pPr lvl="2"/>
             <a:r>
-              <a:rPr lang="en-US" smtClean="0"/>
+              <a:rPr lang="en-US"/>
               <a:t>Third level</a:t>
             </a:r>
           </a:p>
           <a:p>
             <a:pPr lvl="3"/>
             <a:r>
-              <a:rPr lang="en-US" smtClean="0"/>
+              <a:rPr lang="en-US"/>
               <a:t>Fourth level</a:t>
             </a:r>
           </a:p>
           <a:p>
             <a:pPr lvl="4"/>
             <a:r>
-              <a:rPr lang="en-US" smtClean="0"/>
+              <a:rPr lang="en-US"/>
               <a:t>Fifth level</a:t>
             </a:r>
-            <a:endParaRPr lang="en-US"/>
           </a:p>
         </p:txBody>
       </p:sp>
@@ -1235,38 +1244,37 @@
           <a:p>
             <a:pPr lvl="0"/>
             <a:r>
-              <a:rPr lang="en-US" smtClean="0"/>
+              <a:rPr lang="en-US"/>
               <a:t>Click to edit Master text styles</a:t>
             </a:r>
           </a:p>
           <a:p>
             <a:pPr lvl="1"/>
             <a:r>
-              <a:rPr lang="en-US" smtClean="0"/>
+              <a:rPr lang="en-US"/>
               <a:t>Second level</a:t>
             </a:r>
           </a:p>
           <a:p>
             <a:pPr lvl="2"/>
             <a:r>
-              <a:rPr lang="en-US" smtClean="0"/>
+              <a:rPr lang="en-US"/>
               <a:t>Third level</a:t>
             </a:r>
           </a:p>
           <a:p>
             <a:pPr lvl="3"/>
             <a:r>
-              <a:rPr lang="en-US" smtClean="0"/>
+              <a:rPr lang="en-US"/>
               <a:t>Fourth level</a:t>
             </a:r>
           </a:p>
           <a:p>
             <a:pPr lvl="4"/>
             <a:r>
-              <a:rPr lang="en-US" smtClean="0"/>
+              <a:rPr lang="en-US"/>
               <a:t>Fifth level</a:t>
             </a:r>
-            <a:endParaRPr lang="en-US"/>
           </a:p>
         </p:txBody>
       </p:sp>
@@ -1344,7 +1352,7 @@
             <a:fld id="{28289832-F260-4DD9-824C-AEDDC1DE4A59}" type="slidenum">
               <a:rPr lang="pt-PT"/>
               <a:pPr/>
-              <a:t>‹#›</a:t>
+              <a:t>‹nº›</a:t>
             </a:fld>
             <a:endParaRPr lang="pt-PT"/>
           </a:p>
@@ -1401,10 +1409,9 @@
           <a:lstStyle/>
           <a:p>
             <a:r>
-              <a:rPr lang="en-US" smtClean="0"/>
+              <a:rPr lang="en-US"/>
               <a:t>Click to edit Master title style</a:t>
             </a:r>
-            <a:endParaRPr lang="en-US"/>
           </a:p>
         </p:txBody>
       </p:sp>
@@ -1467,7 +1474,7 @@
           <a:p>
             <a:pPr lvl="0"/>
             <a:r>
-              <a:rPr lang="en-US" smtClean="0"/>
+              <a:rPr lang="en-US"/>
               <a:t>Click to edit Master text styles</a:t>
             </a:r>
           </a:p>
@@ -1495,38 +1502,37 @@
           <a:p>
             <a:pPr lvl="0"/>
             <a:r>
-              <a:rPr lang="en-US" smtClean="0"/>
+              <a:rPr lang="en-US"/>
               <a:t>Click to edit Master text styles</a:t>
             </a:r>
           </a:p>
           <a:p>
             <a:pPr lvl="1"/>
             <a:r>
-              <a:rPr lang="en-US" smtClean="0"/>
+              <a:rPr lang="en-US"/>
               <a:t>Second level</a:t>
             </a:r>
           </a:p>
           <a:p>
             <a:pPr lvl="2"/>
             <a:r>
-              <a:rPr lang="en-US" smtClean="0"/>
+              <a:rPr lang="en-US"/>
               <a:t>Third level</a:t>
             </a:r>
           </a:p>
           <a:p>
             <a:pPr lvl="3"/>
             <a:r>
-              <a:rPr lang="en-US" smtClean="0"/>
+              <a:rPr lang="en-US"/>
               <a:t>Fourth level</a:t>
             </a:r>
           </a:p>
           <a:p>
             <a:pPr lvl="4"/>
             <a:r>
-              <a:rPr lang="en-US" smtClean="0"/>
+              <a:rPr lang="en-US"/>
               <a:t>Fifth level</a:t>
             </a:r>
-            <a:endParaRPr lang="en-US"/>
           </a:p>
         </p:txBody>
       </p:sp>
@@ -1589,7 +1595,7 @@
           <a:p>
             <a:pPr lvl="0"/>
             <a:r>
-              <a:rPr lang="en-US" smtClean="0"/>
+              <a:rPr lang="en-US"/>
               <a:t>Click to edit Master text styles</a:t>
             </a:r>
           </a:p>
@@ -1617,38 +1623,37 @@
           <a:p>
             <a:pPr lvl="0"/>
             <a:r>
-              <a:rPr lang="en-US" smtClean="0"/>
+              <a:rPr lang="en-US"/>
               <a:t>Click to edit Master text styles</a:t>
             </a:r>
           </a:p>
           <a:p>
             <a:pPr lvl="1"/>
             <a:r>
-              <a:rPr lang="en-US" smtClean="0"/>
+              <a:rPr lang="en-US"/>
               <a:t>Second level</a:t>
             </a:r>
           </a:p>
           <a:p>
             <a:pPr lvl="2"/>
             <a:r>
-              <a:rPr lang="en-US" smtClean="0"/>
+              <a:rPr lang="en-US"/>
               <a:t>Third level</a:t>
             </a:r>
           </a:p>
           <a:p>
             <a:pPr lvl="3"/>
             <a:r>
-              <a:rPr lang="en-US" smtClean="0"/>
+              <a:rPr lang="en-US"/>
               <a:t>Fourth level</a:t>
             </a:r>
           </a:p>
           <a:p>
             <a:pPr lvl="4"/>
             <a:r>
-              <a:rPr lang="en-US" smtClean="0"/>
+              <a:rPr lang="en-US"/>
               <a:t>Fifth level</a:t>
             </a:r>
-            <a:endParaRPr lang="en-US"/>
           </a:p>
         </p:txBody>
       </p:sp>
@@ -1726,7 +1731,7 @@
             <a:fld id="{6477C907-2F42-47F8-A9B3-283C50579574}" type="slidenum">
               <a:rPr lang="pt-PT"/>
               <a:pPr/>
-              <a:t>‹#›</a:t>
+              <a:t>‹nº›</a:t>
             </a:fld>
             <a:endParaRPr lang="pt-PT"/>
           </a:p>
@@ -1778,10 +1783,9 @@
           <a:lstStyle/>
           <a:p>
             <a:r>
-              <a:rPr lang="en-US" smtClean="0"/>
+              <a:rPr lang="en-US"/>
               <a:t>Click to edit Master title style</a:t>
             </a:r>
-            <a:endParaRPr lang="en-US"/>
           </a:p>
         </p:txBody>
       </p:sp>
@@ -1859,7 +1863,7 @@
             <a:fld id="{0F634BB9-B94D-4769-A6A0-5CED4DA4D578}" type="slidenum">
               <a:rPr lang="pt-PT"/>
               <a:pPr/>
-              <a:t>‹#›</a:t>
+              <a:t>‹nº›</a:t>
             </a:fld>
             <a:endParaRPr lang="pt-PT"/>
           </a:p>
@@ -1969,7 +1973,7 @@
             <a:fld id="{17E3268A-6E84-4C1C-AE9E-B9362E91BA1F}" type="slidenum">
               <a:rPr lang="pt-PT"/>
               <a:pPr/>
-              <a:t>‹#›</a:t>
+              <a:t>‹nº›</a:t>
             </a:fld>
             <a:endParaRPr lang="pt-PT"/>
           </a:p>
@@ -2030,10 +2034,9 @@
           </a:lstStyle>
           <a:p>
             <a:r>
-              <a:rPr lang="en-US" smtClean="0"/>
+              <a:rPr lang="en-US"/>
               <a:t>Click to edit Master title style</a:t>
             </a:r>
-            <a:endParaRPr lang="en-US"/>
           </a:p>
         </p:txBody>
       </p:sp>
@@ -2087,38 +2090,37 @@
           <a:p>
             <a:pPr lvl="0"/>
             <a:r>
-              <a:rPr lang="en-US" smtClean="0"/>
+              <a:rPr lang="en-US"/>
               <a:t>Click to edit Master text styles</a:t>
             </a:r>
           </a:p>
           <a:p>
             <a:pPr lvl="1"/>
             <a:r>
-              <a:rPr lang="en-US" smtClean="0"/>
+              <a:rPr lang="en-US"/>
               <a:t>Second level</a:t>
             </a:r>
           </a:p>
           <a:p>
             <a:pPr lvl="2"/>
             <a:r>
-              <a:rPr lang="en-US" smtClean="0"/>
+              <a:rPr lang="en-US"/>
               <a:t>Third level</a:t>
             </a:r>
           </a:p>
           <a:p>
             <a:pPr lvl="3"/>
             <a:r>
-              <a:rPr lang="en-US" smtClean="0"/>
+              <a:rPr lang="en-US"/>
               <a:t>Fourth level</a:t>
             </a:r>
           </a:p>
           <a:p>
             <a:pPr lvl="4"/>
             <a:r>
-              <a:rPr lang="en-US" smtClean="0"/>
+              <a:rPr lang="en-US"/>
               <a:t>Fifth level</a:t>
             </a:r>
-            <a:endParaRPr lang="en-US"/>
           </a:p>
         </p:txBody>
       </p:sp>
@@ -2181,7 +2183,7 @@
           <a:p>
             <a:pPr lvl="0"/>
             <a:r>
-              <a:rPr lang="en-US" smtClean="0"/>
+              <a:rPr lang="en-US"/>
               <a:t>Click to edit Master text styles</a:t>
             </a:r>
           </a:p>
@@ -2261,7 +2263,7 @@
             <a:fld id="{CA883E8E-61CE-43B9-8F73-4AAE43C5D8EC}" type="slidenum">
               <a:rPr lang="pt-PT"/>
               <a:pPr/>
-              <a:t>‹#›</a:t>
+              <a:t>‹nº›</a:t>
             </a:fld>
             <a:endParaRPr lang="pt-PT"/>
           </a:p>
@@ -2322,10 +2324,9 @@
           </a:lstStyle>
           <a:p>
             <a:r>
-              <a:rPr lang="en-US" smtClean="0"/>
+              <a:rPr lang="en-US"/>
               <a:t>Click to edit Master title style</a:t>
             </a:r>
-            <a:endParaRPr lang="en-US"/>
           </a:p>
         </p:txBody>
       </p:sp>
@@ -2387,7 +2388,7 @@
           </a:lstStyle>
           <a:p>
             <a:pPr lvl="0"/>
-            <a:endParaRPr lang="en-US" noProof="0" smtClean="0"/>
+            <a:endParaRPr lang="en-US" noProof="0"/>
           </a:p>
         </p:txBody>
       </p:sp>
@@ -2450,7 +2451,7 @@
           <a:p>
             <a:pPr lvl="0"/>
             <a:r>
-              <a:rPr lang="en-US" smtClean="0"/>
+              <a:rPr lang="en-US"/>
               <a:t>Click to edit Master text styles</a:t>
             </a:r>
           </a:p>
@@ -2530,7 +2531,7 @@
             <a:fld id="{75FC6E38-8E1D-4F4C-AFE9-988D96B79AAC}" type="slidenum">
               <a:rPr lang="pt-PT"/>
               <a:pPr/>
-              <a:t>‹#›</a:t>
+              <a:t>‹nº›</a:t>
             </a:fld>
             <a:endParaRPr lang="pt-PT"/>
           </a:p>
@@ -2636,7 +2637,7 @@
           <a:p>
             <a:pPr lvl="0"/>
             <a:r>
-              <a:rPr lang="pt-PT" smtClean="0"/>
+              <a:rPr lang="pt-PT"/>
               <a:t>Clique para editar o estilo do título</a:t>
             </a:r>
           </a:p>
@@ -2704,35 +2705,35 @@
           <a:p>
             <a:pPr lvl="0"/>
             <a:r>
-              <a:rPr lang="pt-PT" smtClean="0"/>
+              <a:rPr lang="pt-PT"/>
               <a:t>Clique para editar os estilos de texto do modelo global</a:t>
             </a:r>
           </a:p>
           <a:p>
             <a:pPr lvl="1"/>
             <a:r>
-              <a:rPr lang="pt-PT" smtClean="0"/>
+              <a:rPr lang="pt-PT"/>
               <a:t>Segundo nível</a:t>
             </a:r>
           </a:p>
           <a:p>
             <a:pPr lvl="2"/>
             <a:r>
-              <a:rPr lang="pt-PT" smtClean="0"/>
+              <a:rPr lang="pt-PT"/>
               <a:t>Terceiro nível</a:t>
             </a:r>
           </a:p>
           <a:p>
             <a:pPr lvl="3"/>
             <a:r>
-              <a:rPr lang="pt-PT" smtClean="0"/>
+              <a:rPr lang="pt-PT"/>
               <a:t>Quarto nível</a:t>
             </a:r>
           </a:p>
           <a:p>
             <a:pPr lvl="4"/>
             <a:r>
-              <a:rPr lang="pt-PT" smtClean="0"/>
+              <a:rPr lang="pt-PT"/>
               <a:t>Quinto nível</a:t>
             </a:r>
           </a:p>
@@ -2941,7 +2942,7 @@
             <a:fld id="{51CA60E0-F2FF-449D-85DD-3A02855D33A4}" type="slidenum">
               <a:rPr lang="pt-PT"/>
               <a:pPr/>
-              <a:t>‹#›</a:t>
+              <a:t>‹nº›</a:t>
             </a:fld>
             <a:endParaRPr lang="pt-PT"/>
           </a:p>
@@ -3429,7 +3430,7 @@
               <a:buNone/>
               <a:tabLst/>
             </a:pPr>
-            <a:endParaRPr kumimoji="0" lang="en-US" sz="2500" b="0" i="0" u="none" strike="noStrike" cap="none" normalizeH="0" baseline="0" dirty="0" smtClean="0">
+            <a:endParaRPr kumimoji="0" lang="en-US" sz="2500" b="0" i="0" u="none" strike="noStrike" cap="none" normalizeH="0" baseline="0" dirty="0">
               <a:ln>
                 <a:noFill/>
               </a:ln>
@@ -3507,6 +3508,63 @@
           <a:bodyPr/>
           <a:lstStyle/>
           <a:p>
+            <a:pPr marL="0" indent="0" algn="ctr">
+              <a:buClr>
+                <a:srgbClr val="D45500"/>
+              </a:buClr>
+              <a:buNone/>
+            </a:pPr>
+            <a:r>
+              <a:rPr lang="pt-PT" sz="1800" b="1" dirty="0"/>
+              <a:t>Problema da Localização dos Regeneradores (PLR)</a:t>
+            </a:r>
+          </a:p>
+          <a:p>
+            <a:pPr marL="0" indent="0" algn="just">
+              <a:buClr>
+                <a:srgbClr val="D45500"/>
+              </a:buClr>
+              <a:buNone/>
+            </a:pPr>
+            <a:r>
+              <a:rPr lang="pt-PT" sz="1200" dirty="0"/>
+              <a:t>Nas redes de fibra ótica, quanto mais distante estiver o sinal ótico da sua fonte, mais sujeito este está a perder a sua qualidade. Isto acontece devido a deficiências presentes na fibra (atenuação, dispersão, etc.) Ou seja, a distancia que um sinal ótico pode ser enviado sem perder ou deteriorar a informação é limitada.</a:t>
+            </a:r>
+          </a:p>
+          <a:p>
+            <a:pPr marL="0" indent="0" algn="just">
+              <a:buClr>
+                <a:srgbClr val="D45500"/>
+              </a:buClr>
+              <a:buNone/>
+            </a:pPr>
+            <a:r>
+              <a:rPr lang="pt-PT" sz="1200" dirty="0"/>
+              <a:t>De modo a combater este problema, existem aparelhos chamados regenerados, que restauram a qualidade do sinal, permitindo aumentar o seu alcance. Contudo, estes aparelhos tem um custo bastante elevado.</a:t>
+            </a:r>
+          </a:p>
+          <a:p>
+            <a:pPr marL="0" indent="0" algn="just">
+              <a:buClr>
+                <a:srgbClr val="D45500"/>
+              </a:buClr>
+              <a:buNone/>
+            </a:pPr>
+            <a:r>
+              <a:rPr lang="pt-PT" sz="1200" dirty="0"/>
+              <a:t>Dada uma rede ótica, o PLR procura encontrar o subconjunto ideal de regeneradores a ser instalados a um custo mínimo, de modo a que cada par de nós possa comunicar entre si. </a:t>
+            </a:r>
+          </a:p>
+          <a:p>
+            <a:pPr marL="0" indent="0" algn="just">
+              <a:buClr>
+                <a:srgbClr val="D45500"/>
+              </a:buClr>
+              <a:buNone/>
+            </a:pPr>
+            <a:endParaRPr lang="pt-PT" sz="1200" dirty="0"/>
+          </a:p>
+          <a:p>
             <a:pPr marL="0" indent="0">
               <a:buClr>
                 <a:srgbClr val="D45500"/>
@@ -3515,6 +3573,196 @@
             </a:pPr>
             <a:endParaRPr lang="pt-PT" sz="1200" dirty="0"/>
           </a:p>
+          <a:p>
+            <a:pPr marL="0" indent="0">
+              <a:buClr>
+                <a:srgbClr val="D45500"/>
+              </a:buClr>
+              <a:buNone/>
+            </a:pPr>
+            <a:endParaRPr lang="pt-PT" sz="1200" dirty="0"/>
+          </a:p>
+          <a:p>
+            <a:pPr marL="0" indent="0">
+              <a:buClr>
+                <a:srgbClr val="D45500"/>
+              </a:buClr>
+              <a:buNone/>
+            </a:pPr>
+            <a:endParaRPr lang="pt-PT" sz="1200" dirty="0"/>
+          </a:p>
+          <a:p>
+            <a:pPr marL="0" indent="0">
+              <a:buClr>
+                <a:srgbClr val="D45500"/>
+              </a:buClr>
+              <a:buNone/>
+            </a:pPr>
+            <a:endParaRPr lang="pt-PT" sz="1200" dirty="0"/>
+          </a:p>
+          <a:p>
+            <a:pPr marL="0" indent="0">
+              <a:buClr>
+                <a:srgbClr val="D45500"/>
+              </a:buClr>
+              <a:buNone/>
+            </a:pPr>
+            <a:endParaRPr lang="pt-PT" sz="1200" dirty="0"/>
+          </a:p>
+          <a:p>
+            <a:pPr marL="0" indent="0">
+              <a:buClr>
+                <a:srgbClr val="D45500"/>
+              </a:buClr>
+              <a:buNone/>
+            </a:pPr>
+            <a:endParaRPr lang="pt-PT" sz="1200" dirty="0"/>
+          </a:p>
+          <a:p>
+            <a:pPr marL="0" indent="0">
+              <a:buClr>
+                <a:srgbClr val="D45500"/>
+              </a:buClr>
+              <a:buNone/>
+            </a:pPr>
+            <a:endParaRPr lang="pt-PT" sz="1200" dirty="0"/>
+          </a:p>
+          <a:p>
+            <a:pPr marL="0" indent="0" algn="ctr">
+              <a:buClr>
+                <a:srgbClr val="D45500"/>
+              </a:buClr>
+              <a:buNone/>
+            </a:pPr>
+            <a:r>
+              <a:rPr lang="pt-PT" sz="1400" b="1" dirty="0"/>
+              <a:t>Como resolvemos o problema</a:t>
+            </a:r>
+          </a:p>
+          <a:p>
+            <a:pPr marL="0" indent="0" algn="just">
+              <a:buClr>
+                <a:srgbClr val="D45500"/>
+              </a:buClr>
+              <a:buNone/>
+            </a:pPr>
+            <a:r>
+              <a:rPr lang="pt-PT" sz="1200" dirty="0"/>
+              <a:t>Para resolver o PLR, desenvolvemos uma aplicação em C++ que vai achar a melhor solução para um problema especificado, recorrendo a algoritmos de inteligência artificial. Utilizámos algoritmos evolutivos e de </a:t>
+            </a:r>
+            <a:r>
+              <a:rPr lang="pt-PT" sz="1200" i="1" dirty="0"/>
+              <a:t>Swarm Intelligence.</a:t>
+            </a:r>
+          </a:p>
+          <a:p>
+            <a:pPr marL="0" indent="0" algn="just">
+              <a:buClr>
+                <a:srgbClr val="D45500"/>
+              </a:buClr>
+              <a:buNone/>
+            </a:pPr>
+            <a:r>
+              <a:rPr lang="pt-PT" sz="1200" dirty="0"/>
+              <a:t>Os algoritmos que utilizamos são os seguintes:</a:t>
+            </a:r>
+          </a:p>
+          <a:p>
+            <a:pPr marL="0" indent="0" algn="just">
+              <a:buClr>
+                <a:srgbClr val="D45500"/>
+              </a:buClr>
+              <a:buNone/>
+            </a:pPr>
+            <a:r>
+              <a:rPr lang="pt-PT" sz="1200" b="1" dirty="0"/>
+              <a:t>Algoritmo Custom</a:t>
+            </a:r>
+          </a:p>
+          <a:p>
+            <a:pPr marL="0" indent="0" algn="just">
+              <a:buClr>
+                <a:srgbClr val="D45500"/>
+              </a:buClr>
+              <a:buNone/>
+            </a:pPr>
+            <a:r>
+              <a:rPr lang="pt-PT" sz="1200" dirty="0"/>
+              <a:t>Este algoritmo foi desenvolvido por nós. É do tipo evolutivo e foi desenvolvido especificamente para o problema em causa.</a:t>
+            </a:r>
+          </a:p>
+          <a:p>
+            <a:pPr marL="0" indent="0" algn="just">
+              <a:buClr>
+                <a:srgbClr val="D45500"/>
+              </a:buClr>
+              <a:buNone/>
+            </a:pPr>
+            <a:r>
+              <a:rPr lang="pt-PT" sz="1200" b="1" dirty="0"/>
+              <a:t>Algoritmo Genético</a:t>
+            </a:r>
+          </a:p>
+          <a:p>
+            <a:pPr marL="0" indent="0" algn="just">
+              <a:buClr>
+                <a:srgbClr val="D45500"/>
+              </a:buClr>
+              <a:buNone/>
+            </a:pPr>
+            <a:r>
+              <a:rPr lang="pt-PT" sz="1200" dirty="0"/>
+              <a:t>O algoritmo genético baseia-se na teoria da evolução de Darwin, que é simulada computacionalmente de modo a achar as melhores soluções.</a:t>
+            </a:r>
+          </a:p>
+          <a:p>
+            <a:pPr marL="0" indent="0" algn="just">
+              <a:buClr>
+                <a:srgbClr val="D45500"/>
+              </a:buClr>
+              <a:buNone/>
+            </a:pPr>
+            <a:r>
+              <a:rPr lang="pt-PT" sz="1200" b="1" dirty="0"/>
+              <a:t>Bee Colony Optimization</a:t>
+            </a:r>
+          </a:p>
+          <a:p>
+            <a:pPr marL="0" indent="0" algn="just">
+              <a:buClr>
+                <a:srgbClr val="D45500"/>
+              </a:buClr>
+              <a:buNone/>
+            </a:pPr>
+            <a:r>
+              <a:rPr lang="pt-PT" sz="1200" dirty="0"/>
+              <a:t>Este algoritmo baseia-se nos comportamentos inteligentes das colonias de abelhas durante o processo de obtenção de néctar.</a:t>
+            </a:r>
+          </a:p>
+          <a:p>
+            <a:pPr marL="0" indent="0" algn="just">
+              <a:buClr>
+                <a:srgbClr val="D45500"/>
+              </a:buClr>
+              <a:buNone/>
+            </a:pPr>
+            <a:r>
+              <a:rPr lang="pt-PT" sz="1200" b="1" dirty="0"/>
+              <a:t>Ant Colony Optimization </a:t>
+            </a:r>
+          </a:p>
+          <a:p>
+            <a:pPr marL="0" indent="0" algn="just">
+              <a:buClr>
+                <a:srgbClr val="D45500"/>
+              </a:buClr>
+              <a:buNone/>
+            </a:pPr>
+            <a:r>
+              <a:rPr lang="pt-PT" sz="1200" dirty="0"/>
+              <a:t>Este algoritmo baseia-se na processo de procura por comida das formigas, onde cada individuo interage com um trilho de feromonas.</a:t>
+            </a:r>
+          </a:p>
         </p:txBody>
       </p:sp>
       <p:sp>
@@ -3537,6 +3785,119 @@
           <a:bodyPr/>
           <a:lstStyle/>
           <a:p>
+            <a:pPr marL="0" indent="0" algn="ctr">
+              <a:buNone/>
+            </a:pPr>
+            <a:r>
+              <a:rPr lang="pt-PT" sz="1400" b="1" dirty="0"/>
+              <a:t>Como funciona a aplicação</a:t>
+            </a:r>
+          </a:p>
+          <a:p>
+            <a:pPr marL="0" indent="0">
+              <a:buNone/>
+            </a:pPr>
+            <a:endParaRPr lang="pt-PT" sz="1200" dirty="0"/>
+          </a:p>
+          <a:p>
+            <a:endParaRPr lang="pt-PT" sz="1200" dirty="0"/>
+          </a:p>
+          <a:p>
+            <a:endParaRPr lang="pt-PT" sz="1200" dirty="0"/>
+          </a:p>
+          <a:p>
+            <a:endParaRPr lang="pt-PT" sz="1200" dirty="0"/>
+          </a:p>
+          <a:p>
+            <a:endParaRPr lang="pt-PT" sz="1200" dirty="0"/>
+          </a:p>
+          <a:p>
+            <a:endParaRPr lang="pt-PT" sz="1200" dirty="0"/>
+          </a:p>
+          <a:p>
+            <a:endParaRPr lang="pt-PT" sz="1200" dirty="0"/>
+          </a:p>
+          <a:p>
+            <a:endParaRPr lang="pt-PT" sz="1200" dirty="0"/>
+          </a:p>
+          <a:p>
+            <a:endParaRPr lang="pt-PT" sz="1200" dirty="0"/>
+          </a:p>
+          <a:p>
+            <a:endParaRPr lang="pt-PT" sz="1200" dirty="0"/>
+          </a:p>
+          <a:p>
+            <a:endParaRPr lang="pt-PT" sz="1200" dirty="0"/>
+          </a:p>
+          <a:p>
+            <a:endParaRPr lang="pt-PT" sz="1200" dirty="0"/>
+          </a:p>
+          <a:p>
+            <a:endParaRPr lang="pt-PT" sz="1200" dirty="0"/>
+          </a:p>
+          <a:p>
+            <a:endParaRPr lang="pt-PT" sz="1200" dirty="0"/>
+          </a:p>
+          <a:p>
+            <a:endParaRPr lang="pt-PT" sz="1200" dirty="0"/>
+          </a:p>
+          <a:p>
+            <a:endParaRPr lang="pt-PT" sz="1200" dirty="0"/>
+          </a:p>
+          <a:p>
+            <a:endParaRPr lang="pt-PT" sz="1200" dirty="0"/>
+          </a:p>
+          <a:p>
+            <a:endParaRPr lang="pt-PT" sz="1200" dirty="0"/>
+          </a:p>
+          <a:p>
+            <a:endParaRPr lang="pt-PT" sz="1200" dirty="0"/>
+          </a:p>
+          <a:p>
+            <a:endParaRPr lang="pt-PT" sz="1200" dirty="0"/>
+          </a:p>
+          <a:p>
+            <a:endParaRPr lang="pt-PT" sz="1200" dirty="0"/>
+          </a:p>
+          <a:p>
+            <a:endParaRPr lang="pt-PT" sz="1200" dirty="0"/>
+          </a:p>
+          <a:p>
+            <a:endParaRPr lang="pt-PT" sz="1200" dirty="0"/>
+          </a:p>
+          <a:p>
+            <a:endParaRPr lang="pt-PT" sz="1200" dirty="0"/>
+          </a:p>
+          <a:p>
+            <a:endParaRPr lang="pt-PT" sz="1200" dirty="0"/>
+          </a:p>
+          <a:p>
+            <a:endParaRPr lang="pt-PT" sz="1200" dirty="0"/>
+          </a:p>
+          <a:p>
+            <a:endParaRPr lang="pt-PT" sz="1200" dirty="0"/>
+          </a:p>
+          <a:p>
+            <a:pPr marL="0" indent="0">
+              <a:buNone/>
+            </a:pPr>
+            <a:r>
+              <a:rPr lang="pt-PT" sz="1200" dirty="0"/>
+              <a:t>O melhor algoritmo segundo os nossos testes é o </a:t>
+            </a:r>
+            <a:r>
+              <a:rPr lang="pt-PT" sz="1200" b="1" dirty="0"/>
+              <a:t>Bee Colony Optimization</a:t>
+            </a:r>
+            <a:r>
+              <a:rPr lang="pt-PT" sz="1200" dirty="0"/>
+              <a:t>.</a:t>
+            </a:r>
+          </a:p>
+          <a:p>
+            <a:pPr marL="0" indent="0">
+              <a:buNone/>
+            </a:pPr>
             <a:endParaRPr lang="pt-PT" sz="1200" dirty="0"/>
           </a:p>
         </p:txBody>
@@ -3720,6 +4081,42 @@
       </p:pic>
       <p:pic>
         <p:nvPicPr>
+          <p:cNvPr id="4" name="Imagem 3">
+            <a:extLst>
+              <a:ext uri="{FF2B5EF4-FFF2-40B4-BE49-F238E27FC236}">
+                <a16:creationId xmlns:a16="http://schemas.microsoft.com/office/drawing/2014/main" id="{75B3E340-D519-461B-8911-E971E32EF58B}"/>
+              </a:ext>
+            </a:extLst>
+          </p:cNvPr>
+          <p:cNvPicPr>
+            <a:picLocks noChangeAspect="1"/>
+          </p:cNvPicPr>
+          <p:nvPr/>
+        </p:nvPicPr>
+        <p:blipFill>
+          <a:blip r:embed="rId5" cstate="print">
+            <a:extLst>
+              <a:ext uri="{28A0092B-C50C-407E-A947-70E740481C1C}">
+                <a14:useLocalDpi xmlns:a14="http://schemas.microsoft.com/office/drawing/2010/main" val="0"/>
+              </a:ext>
+            </a:extLst>
+          </a:blip>
+          <a:stretch>
+            <a:fillRect/>
+          </a:stretch>
+        </p:blipFill>
+        <p:spPr>
+          <a:xfrm>
+            <a:off x="1199055" y="3936504"/>
+            <a:ext cx="1936257" cy="1724117"/>
+          </a:xfrm>
+          <a:prstGeom prst="rect">
+            <a:avLst/>
+          </a:prstGeom>
+        </p:spPr>
+      </p:pic>
+      <p:pic>
+        <p:nvPicPr>
           <p:cNvPr id="1030" name="Picture 6" descr=" Escola Superior de Tecnologia e Gestão de Leiria"/>
           <p:cNvPicPr>
             <a:picLocks noChangeAspect="1" noChangeArrowheads="1"/>
@@ -3759,18 +4156,185 @@
           </a:extLst>
         </p:spPr>
       </p:pic>
+      <p:pic>
+        <p:nvPicPr>
+          <p:cNvPr id="8" name="Imagem 7">
+            <a:extLst>
+              <a:ext uri="{FF2B5EF4-FFF2-40B4-BE49-F238E27FC236}">
+                <a16:creationId xmlns:a16="http://schemas.microsoft.com/office/drawing/2014/main" id="{1459E28B-DE91-43C9-B0F1-10C544CC205B}"/>
+              </a:ext>
+            </a:extLst>
+          </p:cNvPr>
+          <p:cNvPicPr>
+            <a:picLocks noChangeAspect="1"/>
+          </p:cNvPicPr>
+          <p:nvPr/>
+        </p:nvPicPr>
+        <p:blipFill>
+          <a:blip r:embed="rId6" cstate="print">
+            <a:extLst>
+              <a:ext uri="{28A0092B-C50C-407E-A947-70E740481C1C}">
+                <a14:useLocalDpi xmlns:a14="http://schemas.microsoft.com/office/drawing/2010/main" val="0"/>
+              </a:ext>
+            </a:extLst>
+          </a:blip>
+          <a:stretch>
+            <a:fillRect/>
+          </a:stretch>
+        </p:blipFill>
+        <p:spPr>
+          <a:xfrm>
+            <a:off x="3135312" y="3936504"/>
+            <a:ext cx="1936258" cy="1724118"/>
+          </a:xfrm>
+          <a:prstGeom prst="rect">
+            <a:avLst/>
+          </a:prstGeom>
+        </p:spPr>
+      </p:pic>
+      <p:pic>
+        <p:nvPicPr>
+          <p:cNvPr id="12" name="Imagem 11">
+            <a:extLst>
+              <a:ext uri="{FF2B5EF4-FFF2-40B4-BE49-F238E27FC236}">
+                <a16:creationId xmlns:a16="http://schemas.microsoft.com/office/drawing/2014/main" id="{F175AD11-CC70-40AB-A174-EE1D30DC8851}"/>
+              </a:ext>
+            </a:extLst>
+          </p:cNvPr>
+          <p:cNvPicPr>
+            <a:picLocks noChangeAspect="1"/>
+          </p:cNvPicPr>
+          <p:nvPr/>
+        </p:nvPicPr>
+        <p:blipFill>
+          <a:blip r:embed="rId7">
+            <a:extLst>
+              <a:ext uri="{28A0092B-C50C-407E-A947-70E740481C1C}">
+                <a14:useLocalDpi xmlns:a14="http://schemas.microsoft.com/office/drawing/2010/main" val="0"/>
+              </a:ext>
+            </a:extLst>
+          </a:blip>
+          <a:stretch>
+            <a:fillRect/>
+          </a:stretch>
+        </p:blipFill>
+        <p:spPr>
+          <a:xfrm>
+            <a:off x="6760839" y="1992288"/>
+            <a:ext cx="3819647" cy="1153534"/>
+          </a:xfrm>
+          <a:prstGeom prst="rect">
+            <a:avLst/>
+          </a:prstGeom>
+        </p:spPr>
+      </p:pic>
+      <p:pic>
+        <p:nvPicPr>
+          <p:cNvPr id="16" name="Imagem 15">
+            <a:extLst>
+              <a:ext uri="{FF2B5EF4-FFF2-40B4-BE49-F238E27FC236}">
+                <a16:creationId xmlns:a16="http://schemas.microsoft.com/office/drawing/2014/main" id="{C382F7B6-0992-4841-8A20-E2B91D32190A}"/>
+              </a:ext>
+            </a:extLst>
+          </p:cNvPr>
+          <p:cNvPicPr>
+            <a:picLocks noChangeAspect="1"/>
+          </p:cNvPicPr>
+          <p:nvPr/>
+        </p:nvPicPr>
+        <p:blipFill>
+          <a:blip r:embed="rId8">
+            <a:extLst>
+              <a:ext uri="{28A0092B-C50C-407E-A947-70E740481C1C}">
+                <a14:useLocalDpi xmlns:a14="http://schemas.microsoft.com/office/drawing/2010/main" val="0"/>
+              </a:ext>
+            </a:extLst>
+          </a:blip>
+          <a:stretch>
+            <a:fillRect/>
+          </a:stretch>
+        </p:blipFill>
+        <p:spPr>
+          <a:xfrm>
+            <a:off x="6760839" y="3062020"/>
+            <a:ext cx="5401065" cy="2381793"/>
+          </a:xfrm>
+          <a:prstGeom prst="rect">
+            <a:avLst/>
+          </a:prstGeom>
+        </p:spPr>
+      </p:pic>
+      <p:pic>
+        <p:nvPicPr>
+          <p:cNvPr id="18" name="Imagem 17">
+            <a:extLst>
+              <a:ext uri="{FF2B5EF4-FFF2-40B4-BE49-F238E27FC236}">
+                <a16:creationId xmlns:a16="http://schemas.microsoft.com/office/drawing/2014/main" id="{478F3091-EA0F-44D2-B650-BDFEAB072004}"/>
+              </a:ext>
+            </a:extLst>
+          </p:cNvPr>
+          <p:cNvPicPr>
+            <a:picLocks noChangeAspect="1"/>
+          </p:cNvPicPr>
+          <p:nvPr/>
+        </p:nvPicPr>
+        <p:blipFill>
+          <a:blip r:embed="rId9">
+            <a:extLst>
+              <a:ext uri="{28A0092B-C50C-407E-A947-70E740481C1C}">
+                <a14:useLocalDpi xmlns:a14="http://schemas.microsoft.com/office/drawing/2010/main" val="0"/>
+              </a:ext>
+            </a:extLst>
+          </a:blip>
+          <a:stretch>
+            <a:fillRect/>
+          </a:stretch>
+        </p:blipFill>
+        <p:spPr>
+          <a:xfrm>
+            <a:off x="6760839" y="5440530"/>
+            <a:ext cx="5400849" cy="2381697"/>
+          </a:xfrm>
+          <a:prstGeom prst="rect">
+            <a:avLst/>
+          </a:prstGeom>
+        </p:spPr>
+      </p:pic>
+      <p:pic>
+        <p:nvPicPr>
+          <p:cNvPr id="19" name="Imagem 18">
+            <a:extLst>
+              <a:ext uri="{FF2B5EF4-FFF2-40B4-BE49-F238E27FC236}">
+                <a16:creationId xmlns:a16="http://schemas.microsoft.com/office/drawing/2014/main" id="{01747DAE-5E11-4BF0-81B5-FFCF842C9B20}"/>
+              </a:ext>
+            </a:extLst>
+          </p:cNvPr>
+          <p:cNvPicPr>
+            <a:picLocks noChangeAspect="1"/>
+          </p:cNvPicPr>
+          <p:nvPr/>
+        </p:nvPicPr>
+        <p:blipFill>
+          <a:blip r:embed="rId10"/>
+          <a:stretch>
+            <a:fillRect/>
+          </a:stretch>
+        </p:blipFill>
+        <p:spPr>
+          <a:xfrm>
+            <a:off x="7341455" y="8103056"/>
+            <a:ext cx="4080110" cy="1018024"/>
+          </a:xfrm>
+          <a:prstGeom prst="rect">
+            <a:avLst/>
+          </a:prstGeom>
+        </p:spPr>
+      </p:pic>
     </p:spTree>
   </p:cSld>
   <p:clrMapOvr>
     <a:masterClrMapping/>
   </p:clrMapOvr>
-  <p:timing>
-    <p:tnLst>
-      <p:par>
-        <p:cTn id="1" dur="indefinite" restart="never" nodeType="tmRoot"/>
-      </p:par>
-    </p:tnLst>
-  </p:timing>
 </p:sld>
 </file>
 
@@ -4609,7 +5173,7 @@
   </a:extraClrSchemeLst>
   <a:extLst>
     <a:ext uri="{05A4C25C-085E-4340-85A3-A5531E510DB2}">
-      <thm15:themeFamily xmlns="" xmlns:thm15="http://schemas.microsoft.com/office/thememl/2012/main" name="Office Theme" id="{62F939B6-93AF-4DB8-9C6B-D6C7DFDC589F}" vid="{4A3C46E8-61CC-4603-A589-7422A47A8E4A}"/>
+      <thm15:themeFamily xmlns:thm15="http://schemas.microsoft.com/office/thememl/2012/main" name="Office Theme" id="{62F939B6-93AF-4DB8-9C6B-D6C7DFDC589F}" vid="{4A3C46E8-61CC-4603-A589-7422A47A8E4A}"/>
     </a:ext>
   </a:extLst>
 </a:theme>

--- a/Poster-2151163-2150662.pptx
+++ b/Poster-2151163-2150662.pptx
@@ -151,10 +151,6 @@
     </p:ext>
   </p:extLst>
 </p:presentation>
-</file>
-
-<file path=ppt/revisionInfo.xml><?xml version="1.0" encoding="utf-8"?>
-<p1510:revInfo xmlns:a="http://schemas.openxmlformats.org/drawingml/2006/main" xmlns:r="http://schemas.openxmlformats.org/officeDocument/2006/relationships" xmlns:p1510="http://schemas.microsoft.com/office/powerpoint/2015/10/main"/>
 </file>
 
 <file path=ppt/slideLayouts/slideLayout1.xml><?xml version="1.0" encoding="utf-8"?>
@@ -4302,10 +4298,10 @@
       </p:pic>
       <p:pic>
         <p:nvPicPr>
-          <p:cNvPr id="19" name="Imagem 18">
+          <p:cNvPr id="5" name="Imagem 4">
             <a:extLst>
               <a:ext uri="{FF2B5EF4-FFF2-40B4-BE49-F238E27FC236}">
-                <a16:creationId xmlns:a16="http://schemas.microsoft.com/office/drawing/2014/main" id="{01747DAE-5E11-4BF0-81B5-FFCF842C9B20}"/>
+                <a16:creationId xmlns:a16="http://schemas.microsoft.com/office/drawing/2014/main" id="{C4CA5147-589C-4C2C-B39E-BCFD010E85BF}"/>
               </a:ext>
             </a:extLst>
           </p:cNvPr>
@@ -4322,8 +4318,8 @@
         </p:blipFill>
         <p:spPr>
           <a:xfrm>
-            <a:off x="7341455" y="8103056"/>
-            <a:ext cx="4080110" cy="1018024"/>
+            <a:off x="6870159" y="8179388"/>
+            <a:ext cx="5402178" cy="1315165"/>
           </a:xfrm>
           <a:prstGeom prst="rect">
             <a:avLst/>

--- a/Poster-2151163-2150662.pptx
+++ b/Poster-2151163-2150662.pptx
@@ -3524,7 +3524,7 @@
             </a:pPr>
             <a:r>
               <a:rPr lang="pt-PT" sz="1200" dirty="0"/>
-              <a:t>Nas redes de fibra ótica, quanto mais distante estiver o sinal ótico da sua fonte, mais sujeito este está a perder a sua qualidade. Isto acontece devido a deficiências presentes na fibra (atenuação, dispersão, etc.) Ou seja, a distancia que um sinal ótico pode ser enviado sem perder ou deteriorar a informação é limitada.</a:t>
+              <a:t>Nas redes de fibra ótica, quanto mais distante estiver o sinal ótico da sua fonte, mais sujeito este está a perder a sua qualidade. Isto acontece devido a deficiências presentes na fibra (atenuação, dispersão, etc.) Ou seja, a distância a que um sinal ótico pode ser enviado sem perder ou deteriorar a informação é limitada.</a:t>
             </a:r>
           </a:p>
           <a:p>
@@ -3536,7 +3536,7 @@
             </a:pPr>
             <a:r>
               <a:rPr lang="pt-PT" sz="1200" dirty="0"/>
-              <a:t>De modo a combater este problema, existem aparelhos chamados regenerados, que restauram a qualidade do sinal, permitindo aumentar o seu alcance. Contudo, estes aparelhos tem um custo bastante elevado.</a:t>
+              <a:t>De modo a combater este problema, existem aparelhos chamados regeneradores, que restauram a qualidade do sinal, permitindo aumentar o seu alcance. Contudo, estes aparelhos tem um custo bastante elevado.</a:t>
             </a:r>
           </a:p>
           <a:p>
@@ -3647,8 +3647,20 @@
               <a:t>Para resolver o PLR, desenvolvemos uma aplicação em C++ que vai achar a melhor solução para um problema especificado, recorrendo a algoritmos de inteligência artificial. Utilizámos algoritmos evolutivos e de </a:t>
             </a:r>
             <a:r>
+              <a:rPr lang="pt-PT" sz="1200" i="1" dirty="0" err="1"/>
+              <a:t>Swarm</a:t>
+            </a:r>
+            <a:r>
               <a:rPr lang="pt-PT" sz="1200" i="1" dirty="0"/>
-              <a:t>Swarm Intelligence.</a:t>
+              <a:t> </a:t>
+            </a:r>
+            <a:r>
+              <a:rPr lang="pt-PT" sz="1200" i="1" dirty="0" err="1"/>
+              <a:t>Intelligence</a:t>
+            </a:r>
+            <a:r>
+              <a:rPr lang="pt-PT" sz="1200" i="1" dirty="0"/>
+              <a:t>.</a:t>
             </a:r>
           </a:p>
           <a:p>
@@ -3660,7 +3672,7 @@
             </a:pPr>
             <a:r>
               <a:rPr lang="pt-PT" sz="1200" dirty="0"/>
-              <a:t>Os algoritmos que utilizamos são os seguintes:</a:t>
+              <a:t>Os algoritmos que utilizámos são os seguintes:</a:t>
             </a:r>
           </a:p>
           <a:p>
@@ -3719,8 +3731,12 @@
               <a:buNone/>
             </a:pPr>
             <a:r>
+              <a:rPr lang="pt-PT" sz="1200" b="1" dirty="0" err="1"/>
+              <a:t>Bee</a:t>
+            </a:r>
+            <a:r>
               <a:rPr lang="pt-PT" sz="1200" b="1" dirty="0"/>
-              <a:t>Bee Colony Optimization</a:t>
+              <a:t> Colony Optimization</a:t>
             </a:r>
           </a:p>
           <a:p>
@@ -3732,7 +3748,7 @@
             </a:pPr>
             <a:r>
               <a:rPr lang="pt-PT" sz="1200" dirty="0"/>
-              <a:t>Este algoritmo baseia-se nos comportamentos inteligentes das colonias de abelhas durante o processo de obtenção de néctar.</a:t>
+              <a:t>Este algoritmo baseia-se nos comportamentos inteligentes das colónias de abelhas durante o processo de obtenção de néctar.</a:t>
             </a:r>
           </a:p>
           <a:p>
@@ -3756,7 +3772,7 @@
             </a:pPr>
             <a:r>
               <a:rPr lang="pt-PT" sz="1200" dirty="0"/>
-              <a:t>Este algoritmo baseia-se na processo de procura por comida das formigas, onde cada individuo interage com um trilho de feromonas.</a:t>
+              <a:t>Este algoritmo baseia-se na processo de procura por comida das formigas, em que cada indivíduo interage com um trilho de feromonas.</a:t>
             </a:r>
           </a:p>
         </p:txBody>
@@ -4298,10 +4314,10 @@
       </p:pic>
       <p:pic>
         <p:nvPicPr>
-          <p:cNvPr id="5" name="Imagem 4">
+          <p:cNvPr id="9" name="Imagem 8">
             <a:extLst>
               <a:ext uri="{FF2B5EF4-FFF2-40B4-BE49-F238E27FC236}">
-                <a16:creationId xmlns:a16="http://schemas.microsoft.com/office/drawing/2014/main" id="{C4CA5147-589C-4C2C-B39E-BCFD010E85BF}"/>
+                <a16:creationId xmlns:a16="http://schemas.microsoft.com/office/drawing/2014/main" id="{146AA48E-0771-4630-BF8D-61AEC152E5C4}"/>
               </a:ext>
             </a:extLst>
           </p:cNvPr>
@@ -4318,8 +4334,8 @@
         </p:blipFill>
         <p:spPr>
           <a:xfrm>
-            <a:off x="6870159" y="8179388"/>
-            <a:ext cx="5402178" cy="1315165"/>
+            <a:off x="7065884" y="8112968"/>
+            <a:ext cx="5010728" cy="1136399"/>
           </a:xfrm>
           <a:prstGeom prst="rect">
             <a:avLst/>
